--- a/Document-Templates/SoftUni-Svetlina-PowerPoint-Template-EN-Oct-2020.pptx
+++ b/Document-Templates/SoftUni-Svetlina-PowerPoint-Template-EN-Oct-2020.pptx
@@ -8058,32 +8058,12 @@
               </a:lnSpc>
             </a:pPr>
             <a:r>
-              <a:rPr lang="bg-BG" dirty="0"/>
-              <a:t>Този курс</a:t>
-            </a:r>
-            <a:r>
               <a:rPr lang="en-US" dirty="0"/>
-              <a:t> (</a:t>
-            </a:r>
-            <a:r>
-              <a:rPr lang="bg-BG" dirty="0"/>
-              <a:t>презентации, примери, демонстрационен код, упражнения, домашни, видео и други активи</a:t>
-            </a:r>
-            <a:r>
-              <a:rPr lang="en-US" dirty="0"/>
-              <a:t>) </a:t>
-            </a:r>
-            <a:r>
-              <a:rPr lang="bg-BG" dirty="0"/>
-              <a:t>представлява</a:t>
-            </a:r>
-            <a:r>
-              <a:rPr lang="en-US" dirty="0"/>
-              <a:t> </a:t>
-            </a:r>
-            <a:r>
-              <a:rPr lang="bg-BG" b="1" dirty="0"/>
-              <a:t>защитено авторско съдържание</a:t>
+              <a:t>This course (slides, examples, demos, exercises, homework, documents, videos and other assets) is </a:t>
+            </a:r>
+            <a:r>
+              <a:rPr lang="en-US" b="1" dirty="0"/>
+              <a:t>copyrighted content</a:t>
             </a:r>
             <a:endParaRPr lang="en-US" dirty="0"/>
           </a:p>
@@ -8094,16 +8074,8 @@
               </a:lnSpc>
             </a:pPr>
             <a:r>
-              <a:rPr lang="bg-BG" dirty="0"/>
-              <a:t>Нерегламентирано копиране</a:t>
-            </a:r>
-            <a:r>
               <a:rPr lang="en-US" dirty="0"/>
-              <a:t>,</a:t>
-            </a:r>
-            <a:r>
-              <a:rPr lang="bg-BG" dirty="0"/>
-              <a:t> разпространение или използване е незаконно</a:t>
+              <a:t>Unauthorized copy, reproduction or use is illegal</a:t>
             </a:r>
           </a:p>
           <a:p>
@@ -8114,15 +8086,7 @@
             </a:pPr>
             <a:r>
               <a:rPr lang="en-US" dirty="0"/>
-              <a:t>© </a:t>
-            </a:r>
-            <a:r>
-              <a:rPr lang="bg-BG" dirty="0"/>
-              <a:t>СофтУни</a:t>
-            </a:r>
-            <a:r>
-              <a:rPr lang="en-US" dirty="0"/>
-              <a:t> - </a:t>
+              <a:t>© SoftUni – </a:t>
             </a:r>
             <a:r>
               <a:rPr lang="en-US" dirty="0">
@@ -8140,15 +8104,7 @@
             </a:pPr>
             <a:r>
               <a:rPr lang="en-US" dirty="0"/>
-              <a:t>© </a:t>
-            </a:r>
-            <a:r>
-              <a:rPr lang="bg-BG" dirty="0"/>
-              <a:t>Софтуерен университет</a:t>
-            </a:r>
-            <a:r>
-              <a:rPr lang="en-US" dirty="0"/>
-              <a:t> - </a:t>
+              <a:t>© Software University – </a:t>
             </a:r>
             <a:r>
               <a:rPr lang="en-US" dirty="0">
@@ -8156,14 +8112,6 @@
               </a:rPr>
               <a:t>https://softuni.bg</a:t>
             </a:r>
-            <a:endParaRPr lang="bg-BG" dirty="0"/>
-          </a:p>
-          <a:p>
-            <a:pPr>
-              <a:lnSpc>
-                <a:spcPct val="120000"/>
-              </a:lnSpc>
-            </a:pPr>
             <a:endParaRPr lang="bg-BG" dirty="0"/>
           </a:p>
         </p:txBody>
@@ -8201,7 +8149,7 @@
         </p:blipFill>
         <p:spPr>
           <a:xfrm>
-            <a:off x="9742485" y="4445191"/>
+            <a:off x="9406780" y="2852936"/>
             <a:ext cx="1930474" cy="2043013"/>
           </a:xfrm>
           <a:prstGeom prst="rect">
@@ -8231,9 +8179,10 @@
           <a:lstStyle/>
           <a:p>
             <a:r>
-              <a:rPr lang="bg-BG" dirty="0"/>
-              <a:t>Лиценз</a:t>
-            </a:r>
+              <a:rPr lang="en-US" dirty="0"/>
+              <a:t>License</a:t>
+            </a:r>
+            <a:endParaRPr lang="bg-BG" dirty="0"/>
           </a:p>
         </p:txBody>
       </p:sp>
